--- a/Chain Drugstore management(IA1).pptx
+++ b/Chain Drugstore management(IA1).pptx
@@ -231,7 +231,7 @@
           <a:p>
             <a:fld id="{59088EAF-6ECA-4616-85EF-35AA19C641F3}" type="datetimeFigureOut">
               <a:rPr lang="en-US"/>
-              <a:t>06-Apr-21</a:t>
+              <a:t>20-Apr-21</a:t>
             </a:fld>
             <a:endParaRPr dirty="0"/>
           </a:p>
@@ -396,7 +396,7 @@
           <a:p>
             <a:fld id="{3ABD2D7A-D230-4F91-BD59-0A39C2703BA8}" type="datetimeFigureOut">
               <a:rPr lang="en-US"/>
-              <a:t>06-Apr-21</a:t>
+              <a:t>20-Apr-21</a:t>
             </a:fld>
             <a:endParaRPr dirty="0"/>
           </a:p>
@@ -1005,7 +1005,7 @@
           <a:p>
             <a:fld id="{03F41C87-7AD9-4845-A077-840E4A0F3F06}" type="datetimeFigureOut">
               <a:rPr lang="en-US"/>
-              <a:t>06-Apr-21</a:t>
+              <a:t>20-Apr-21</a:t>
             </a:fld>
             <a:endParaRPr dirty="0"/>
           </a:p>
@@ -1197,7 +1197,7 @@
           <a:p>
             <a:fld id="{03F41C87-7AD9-4845-A077-840E4A0F3F06}" type="datetimeFigureOut">
               <a:rPr lang="en-US"/>
-              <a:t>06-Apr-21</a:t>
+              <a:t>20-Apr-21</a:t>
             </a:fld>
             <a:endParaRPr dirty="0"/>
           </a:p>
@@ -1386,7 +1386,7 @@
           <a:p>
             <a:fld id="{03F41C87-7AD9-4845-A077-840E4A0F3F06}" type="datetimeFigureOut">
               <a:rPr lang="en-US"/>
-              <a:t>06-Apr-21</a:t>
+              <a:t>20-Apr-21</a:t>
             </a:fld>
             <a:endParaRPr dirty="0"/>
           </a:p>
@@ -1666,7 +1666,7 @@
           <a:p>
             <a:fld id="{03F41C87-7AD9-4845-A077-840E4A0F3F06}" type="datetimeFigureOut">
               <a:rPr lang="en-US"/>
-              <a:t>06-Apr-21</a:t>
+              <a:t>20-Apr-21</a:t>
             </a:fld>
             <a:endParaRPr dirty="0"/>
           </a:p>
@@ -1970,7 +1970,7 @@
           <a:p>
             <a:fld id="{03F41C87-7AD9-4845-A077-840E4A0F3F06}" type="datetimeFigureOut">
               <a:rPr lang="en-US"/>
-              <a:t>06-Apr-21</a:t>
+              <a:t>20-Apr-21</a:t>
             </a:fld>
             <a:endParaRPr dirty="0"/>
           </a:p>
@@ -2426,7 +2426,7 @@
           <a:p>
             <a:fld id="{03F41C87-7AD9-4845-A077-840E4A0F3F06}" type="datetimeFigureOut">
               <a:rPr lang="en-US"/>
-              <a:t>06-Apr-21</a:t>
+              <a:t>20-Apr-21</a:t>
             </a:fld>
             <a:endParaRPr dirty="0"/>
           </a:p>
@@ -2556,7 +2556,7 @@
           <a:p>
             <a:fld id="{03F41C87-7AD9-4845-A077-840E4A0F3F06}" type="datetimeFigureOut">
               <a:rPr lang="en-US"/>
-              <a:t>06-Apr-21</a:t>
+              <a:t>20-Apr-21</a:t>
             </a:fld>
             <a:endParaRPr dirty="0"/>
           </a:p>
@@ -2671,7 +2671,7 @@
           <a:p>
             <a:fld id="{03F41C87-7AD9-4845-A077-840E4A0F3F06}" type="datetimeFigureOut">
               <a:rPr lang="en-US"/>
-              <a:t>06-Apr-21</a:t>
+              <a:t>20-Apr-21</a:t>
             </a:fld>
             <a:endParaRPr dirty="0"/>
           </a:p>
@@ -2993,7 +2993,7 @@
           <a:p>
             <a:fld id="{03F41C87-7AD9-4845-A077-840E4A0F3F06}" type="datetimeFigureOut">
               <a:rPr lang="en-US"/>
-              <a:t>06-Apr-21</a:t>
+              <a:t>20-Apr-21</a:t>
             </a:fld>
             <a:endParaRPr dirty="0"/>
           </a:p>
@@ -3305,7 +3305,7 @@
             <a:fld id="{03F41C87-7AD9-4845-A077-840E4A0F3F06}" type="datetimeFigureOut">
               <a:rPr lang="en-US"/>
               <a:pPr/>
-              <a:t>06-Apr-21</a:t>
+              <a:t>20-Apr-21</a:t>
             </a:fld>
             <a:endParaRPr dirty="0"/>
           </a:p>
@@ -3559,7 +3559,7 @@
             <a:fld id="{03F41C87-7AD9-4845-A077-840E4A0F3F06}" type="datetimeFigureOut">
               <a:rPr lang="en-US" smtClean="0"/>
               <a:pPr/>
-              <a:t>06-Apr-21</a:t>
+              <a:t>20-Apr-21</a:t>
             </a:fld>
             <a:endParaRPr lang="en-US" dirty="0"/>
           </a:p>
@@ -4994,8 +4994,12 @@
           <a:p>
             <a:pPr algn="just"/>
             <a:r>
+              <a:rPr lang="en-US"/>
+              <a:t>ER </a:t>
+            </a:r>
+            <a:r>
               <a:rPr lang="en-US" dirty="0"/>
-              <a:t>EER Diagram</a:t>
+              <a:t>Diagram</a:t>
             </a:r>
           </a:p>
           <a:p>
